--- a/resources/week_01_Course_Outline_and_DW_Concepts/01_introduction_to_DW_course.pptx
+++ b/resources/week_01_Course_Outline_and_DW_Concepts/01_introduction_to_DW_course.pptx
@@ -6195,7 +6195,7 @@
                   <a:srgbClr val="7030A0"/>
                 </a:solidFill>
               </a:rPr>
-              <a:t>Data </a:t>
+              <a:t>Data  </a:t>
             </a:r>
             <a:r>
               <a:rPr lang="en-US" sz="4400" dirty="0" err="1">
@@ -6234,7 +6234,7 @@
                   <a:srgbClr val="7030A0"/>
                 </a:solidFill>
               </a:rPr>
-              <a:t>Business </a:t>
+              <a:t>Business  </a:t>
             </a:r>
             <a:r>
               <a:rPr lang="en-US" sz="4000" dirty="0" err="1">
@@ -6276,7 +6276,7 @@
         <p:spPr>
           <a:xfrm>
             <a:off x="595744" y="3804745"/>
-            <a:ext cx="6792191" cy="2367455"/>
+            <a:ext cx="6792191" cy="1019503"/>
           </a:xfrm>
           <a:prstGeom prst="rect">
             <a:avLst/>
@@ -6545,7 +6545,7 @@
           <a:p>
             <a:r>
               <a:rPr lang="en-US" dirty="0"/>
-              <a:t>Weekly Lectures</a:t>
+              <a:t>Weekly   Lectures</a:t>
             </a:r>
           </a:p>
         </p:txBody>
@@ -6602,7 +6602,35 @@
                 </a:highlight>
                 <a:latin typeface="Lato Extended"/>
               </a:rPr>
-              <a:t>: Introduction to DW, and Business Intelligence</a:t>
+              <a:t>: Introduction to Course Outline and DW</a:t>
+            </a:r>
+          </a:p>
+          <a:p>
+            <a:r>
+              <a:rPr lang="en-US" b="0" i="0" dirty="0">
+                <a:solidFill>
+                  <a:srgbClr val="2D3B45"/>
+                </a:solidFill>
+                <a:effectLst/>
+                <a:highlight>
+                  <a:srgbClr val="00FF00"/>
+                </a:highlight>
+                <a:latin typeface="Lato Extended"/>
+              </a:rPr>
+              <a:t>week_02</a:t>
+            </a:r>
+            <a:r>
+              <a:rPr lang="en-US" b="0" i="0" dirty="0">
+                <a:solidFill>
+                  <a:srgbClr val="2D3B45"/>
+                </a:solidFill>
+                <a:effectLst/>
+                <a:highlight>
+                  <a:srgbClr val="FFFFFF"/>
+                </a:highlight>
+                <a:latin typeface="Lato Extended"/>
+              </a:rPr>
+              <a:t>: Introduction to Business Intelligence</a:t>
             </a:r>
           </a:p>
           <a:p>
@@ -7205,8 +7233,8 @@
               <a:buNone/>
             </a:pPr>
             <a:r>
-              <a:rPr lang="en-US" dirty="0"/>
-              <a:t>H1: Install MySQL, MySQL Workbench, Create a Table, Queries</a:t>
+              <a:rPr lang="en-US" sz="2800" dirty="0"/>
+              <a:t>H1: Install MySQL, MySQL Workbench, </a:t>
             </a:r>
           </a:p>
           <a:p>
@@ -7214,8 +7242,8 @@
               <a:buNone/>
             </a:pPr>
             <a:r>
-              <a:rPr lang="en-US" dirty="0"/>
-              <a:t>H2: Tableau: Install Tableau, analyze a Table </a:t>
+              <a:rPr lang="en-US" sz="2800" dirty="0"/>
+              <a:t>        Create a Table, Queries</a:t>
             </a:r>
           </a:p>
           <a:p>
@@ -7223,8 +7251,8 @@
               <a:buNone/>
             </a:pPr>
             <a:r>
-              <a:rPr lang="en-US" dirty="0"/>
-              <a:t>H3: SQL, Group By, ROLLUP, Aggregations</a:t>
+              <a:rPr lang="en-US" sz="2800" dirty="0"/>
+              <a:t>H2: Tableau: Install Tableau, analyze a Table </a:t>
             </a:r>
           </a:p>
           <a:p>
@@ -7232,8 +7260,8 @@
               <a:buNone/>
             </a:pPr>
             <a:r>
-              <a:rPr lang="en-US" dirty="0"/>
-              <a:t>H4: Tableau: Group By, ROLLUP</a:t>
+              <a:rPr lang="en-US" sz="2800" dirty="0"/>
+              <a:t>H3: SQL, Group By, ROLLUP, Aggregations</a:t>
             </a:r>
           </a:p>
           <a:p>
@@ -7241,8 +7269,8 @@
               <a:buNone/>
             </a:pPr>
             <a:r>
-              <a:rPr lang="en-US" dirty="0"/>
-              <a:t>H5:</a:t>
+              <a:rPr lang="en-US" sz="2800" dirty="0"/>
+              <a:t>H4: Tableau: Group By, ROLLUP</a:t>
             </a:r>
           </a:p>
           <a:p>
@@ -7250,8 +7278,8 @@
               <a:buNone/>
             </a:pPr>
             <a:r>
-              <a:rPr lang="en-US" dirty="0"/>
-              <a:t>H6: </a:t>
+              <a:rPr lang="en-US" sz="2800" dirty="0"/>
+              <a:t>H5: Ranking Algorithms</a:t>
             </a:r>
           </a:p>
           <a:p>
@@ -7259,36 +7287,15 @@
               <a:buNone/>
             </a:pPr>
             <a:r>
-              <a:rPr lang="en-US" dirty="0"/>
-              <a:t>H7:</a:t>
+              <a:rPr lang="en-US" sz="2800" dirty="0"/>
+              <a:t>H6: Tableau: Ranking Algorithms</a:t>
             </a:r>
           </a:p>
           <a:p>
             <a:pPr marL="609600" indent="-609600">
               <a:buNone/>
             </a:pPr>
-            <a:r>
-              <a:rPr lang="en-US" dirty="0"/>
-              <a:t>Exam-2: on Camino</a:t>
-            </a:r>
-          </a:p>
-          <a:p>
-            <a:pPr marL="609600" indent="-609600">
-              <a:buNone/>
-            </a:pPr>
-            <a:r>
-              <a:rPr lang="en-US" dirty="0"/>
-              <a:t>H8:</a:t>
-            </a:r>
-          </a:p>
-          <a:p>
-            <a:pPr marL="609600" indent="-609600">
-              <a:buNone/>
-            </a:pPr>
-            <a:r>
-              <a:rPr lang="en-US" dirty="0"/>
-              <a:t>Final Exam</a:t>
-            </a:r>
+            <a:endParaRPr lang="en-US" dirty="0"/>
           </a:p>
         </p:txBody>
       </p:sp>
@@ -7346,7 +7353,7 @@
           <a:p>
             <a:r>
               <a:rPr lang="en-US" dirty="0"/>
-              <a:t>About the Assignments</a:t>
+              <a:t>About  the  Assignments</a:t>
             </a:r>
           </a:p>
         </p:txBody>
@@ -7513,28 +7520,17 @@
           </a:bodyPr>
           <a:lstStyle/>
           <a:p>
-            <a:r>
-              <a:rPr lang="en-US" sz="2400" dirty="0"/>
-              <a:t>Assignments are expected to be done on time.</a:t>
-            </a:r>
-          </a:p>
-          <a:p>
-            <a:endParaRPr lang="en-US" dirty="0"/>
-          </a:p>
-          <a:p>
             <a:pPr marL="342900" indent="-342900">
               <a:buFont typeface="Arial" panose="020B0604020202020204" pitchFamily="34" charset="0"/>
               <a:buChar char="•"/>
             </a:pPr>
             <a:r>
-              <a:rPr lang="en-US" sz="2000" dirty="0"/>
-              <a:t>Late 1 day:   5% </a:t>
-            </a:r>
-            <a:r>
-              <a:rPr lang="en-US" sz="2000" dirty="0" err="1"/>
-              <a:t>dduction</a:t>
-            </a:r>
-            <a:endParaRPr lang="en-US" sz="2000" dirty="0"/>
+              <a:rPr lang="en-US" sz="2400" dirty="0"/>
+              <a:t>Assignments are expected to be done on time.</a:t>
+            </a:r>
+          </a:p>
+          <a:p>
+            <a:endParaRPr lang="en-US" dirty="0"/>
           </a:p>
           <a:p>
             <a:pPr marL="342900" indent="-342900">
@@ -7543,21 +7539,8 @@
             </a:pPr>
             <a:r>
               <a:rPr lang="en-US" sz="2000" dirty="0"/>
-              <a:t>Late </a:t>
-            </a:r>
-            <a:r>
-              <a:rPr lang="en-US" dirty="0"/>
-              <a:t>2</a:t>
-            </a:r>
-            <a:r>
-              <a:rPr lang="en-US" sz="2000" dirty="0"/>
-              <a:t> days: 10% </a:t>
-            </a:r>
-            <a:r>
-              <a:rPr lang="en-US" sz="2000" dirty="0" err="1"/>
-              <a:t>dduction</a:t>
-            </a:r>
-            <a:endParaRPr lang="en-US" sz="2000" dirty="0"/>
+              <a:t>Late 1 day:      5% deduction</a:t>
+            </a:r>
           </a:p>
           <a:p>
             <a:pPr marL="342900" indent="-342900">
@@ -7566,13 +7549,16 @@
             </a:pPr>
             <a:r>
               <a:rPr lang="en-US" sz="2000" dirty="0"/>
-              <a:t>Late 3 days: 15% </a:t>
-            </a:r>
-            <a:r>
-              <a:rPr lang="en-US" sz="2000" dirty="0" err="1"/>
-              <a:t>dduction</a:t>
-            </a:r>
-            <a:endParaRPr lang="en-US" sz="2000" dirty="0"/>
+              <a:t>Late </a:t>
+            </a:r>
+            <a:r>
+              <a:rPr lang="en-US" dirty="0"/>
+              <a:t>2</a:t>
+            </a:r>
+            <a:r>
+              <a:rPr lang="en-US" sz="2000" dirty="0"/>
+              <a:t> days: 10% deduction</a:t>
+            </a:r>
           </a:p>
           <a:p>
             <a:pPr marL="342900" indent="-342900">
@@ -7581,21 +7567,16 @@
             </a:pPr>
             <a:r>
               <a:rPr lang="en-US" sz="2000" dirty="0"/>
-              <a:t>Late 4 days: 3</a:t>
+              <a:t>Late 3 days: </a:t>
             </a:r>
             <a:r>
               <a:rPr lang="en-US" dirty="0"/>
-              <a:t>0</a:t>
+              <a:t>20</a:t>
             </a:r>
             <a:r>
               <a:rPr lang="en-US" sz="2000" dirty="0"/>
-              <a:t>% </a:t>
-            </a:r>
-            <a:r>
-              <a:rPr lang="en-US" sz="2000" dirty="0" err="1"/>
-              <a:t>dduction</a:t>
-            </a:r>
-            <a:endParaRPr lang="en-US" sz="2000" dirty="0"/>
+              <a:t>% deduction</a:t>
+            </a:r>
           </a:p>
           <a:p>
             <a:pPr marL="342900" indent="-342900">
@@ -7604,12 +7585,38 @@
             </a:pPr>
             <a:r>
               <a:rPr lang="en-US" sz="2000" dirty="0"/>
-              <a:t>Late 5 days: 50% </a:t>
-            </a:r>
-            <a:r>
-              <a:rPr lang="en-US" sz="2000" dirty="0" err="1"/>
-              <a:t>dduction</a:t>
-            </a:r>
+              <a:t>Late 4 days: 3</a:t>
+            </a:r>
+            <a:r>
+              <a:rPr lang="en-US" dirty="0"/>
+              <a:t>0</a:t>
+            </a:r>
+            <a:r>
+              <a:rPr lang="en-US" sz="2000" dirty="0"/>
+              <a:t>% deduction</a:t>
+            </a:r>
+          </a:p>
+          <a:p>
+            <a:pPr marL="342900" indent="-342900">
+              <a:buFont typeface="Arial" panose="020B0604020202020204" pitchFamily="34" charset="0"/>
+              <a:buChar char="•"/>
+            </a:pPr>
+            <a:r>
+              <a:rPr lang="en-US" sz="2000" dirty="0"/>
+              <a:t>Late 5 days: 50% deduction</a:t>
+            </a:r>
+          </a:p>
+          <a:p>
+            <a:pPr marL="342900" indent="-342900">
+              <a:buFont typeface="Arial" panose="020B0604020202020204" pitchFamily="34" charset="0"/>
+              <a:buChar char="•"/>
+            </a:pPr>
+            <a:r>
+              <a:rPr lang="en-US" sz="2000" dirty="0"/>
+              <a:t>Late 6 days: 100% deduction</a:t>
+            </a:r>
+          </a:p>
+          <a:p>
             <a:endParaRPr lang="en-US" sz="2000" dirty="0"/>
           </a:p>
           <a:p>
@@ -7669,7 +7676,7 @@
           <a:p>
             <a:r>
               <a:rPr lang="en-US" sz="4000" dirty="0"/>
-              <a:t>Camino Exams</a:t>
+              <a:t>Camino  Exams</a:t>
             </a:r>
           </a:p>
         </p:txBody>
@@ -8702,13 +8709,8 @@
             </a:br>
             <a:r>
               <a:rPr lang="en-US" sz="4000" dirty="0"/>
-              <a:t>Data </a:t>
-            </a:r>
-            <a:r>
-              <a:rPr lang="en-US" sz="4000" dirty="0" err="1"/>
-              <a:t>WareHouse</a:t>
-            </a:r>
-            <a:endParaRPr lang="en-US" sz="4000" dirty="0"/>
+              <a:t>Data  WareHouse</a:t>
+            </a:r>
           </a:p>
         </p:txBody>
       </p:sp>
@@ -9215,12 +9217,8 @@
               <a:t>relational </a:t>
             </a:r>
             <a:r>
-              <a:rPr lang="en-US" sz="2800" dirty="0" err="1"/>
-              <a:t>DBMSs</a:t>
-            </a:r>
-            <a:r>
               <a:rPr lang="en-US" sz="2800" dirty="0"/>
-              <a:t> most quarter</a:t>
+              <a:t>DBMSs: MySQL</a:t>
             </a:r>
           </a:p>
           <a:p>
@@ -9693,7 +9691,14 @@
           <a:p>
             <a:r>
               <a:rPr lang="en-US" sz="4000" dirty="0"/>
-              <a:t>An Example: Online Bookseller</a:t>
+              <a:t>An Example: </a:t>
+            </a:r>
+            <a:br>
+              <a:rPr lang="en-US" sz="4000" dirty="0"/>
+            </a:br>
+            <a:r>
+              <a:rPr lang="en-US" sz="4000" dirty="0"/>
+              <a:t>Online   Bookseller</a:t>
             </a:r>
           </a:p>
         </p:txBody>
@@ -10086,7 +10091,14 @@
           <a:p>
             <a:r>
               <a:rPr lang="en-US" sz="4000" dirty="0"/>
-              <a:t>An Example: Online Bookseller</a:t>
+              <a:t>An  Example: </a:t>
+            </a:r>
+            <a:br>
+              <a:rPr lang="en-US" sz="4000" dirty="0"/>
+            </a:br>
+            <a:r>
+              <a:rPr lang="en-US" sz="4000" dirty="0"/>
+              <a:t>Online  Bookseller</a:t>
             </a:r>
           </a:p>
         </p:txBody>
@@ -10194,7 +10206,14 @@
           <a:p>
             <a:r>
               <a:rPr lang="en-US" sz="4000" dirty="0"/>
-              <a:t>An Example: Online Bookseller</a:t>
+              <a:t>An  Example: </a:t>
+            </a:r>
+            <a:br>
+              <a:rPr lang="en-US" sz="4000" dirty="0"/>
+            </a:br>
+            <a:r>
+              <a:rPr lang="en-US" sz="4000" dirty="0"/>
+              <a:t>Online  Bookseller</a:t>
             </a:r>
           </a:p>
         </p:txBody>
@@ -10715,7 +10734,7 @@
           <a:p>
             <a:r>
               <a:rPr lang="en-US" dirty="0"/>
-              <a:t>The players</a:t>
+              <a:t>The  players</a:t>
             </a:r>
           </a:p>
         </p:txBody>
@@ -10743,7 +10762,7 @@
             </a:r>
             <a:r>
               <a:rPr lang="en-US" sz="2800" dirty="0"/>
-              <a:t>: writes programs that query and modify data </a:t>
+              <a:t> writes programs that query and modify data </a:t>
             </a:r>
           </a:p>
           <a:p>
@@ -10842,14 +10861,14 @@
           <a:p>
             <a:r>
               <a:rPr lang="en-US" sz="4000" dirty="0"/>
-              <a:t>What is this </a:t>
+              <a:t>What  is  this </a:t>
             </a:r>
             <a:br>
               <a:rPr lang="en-US" sz="4000" dirty="0"/>
             </a:br>
             <a:r>
               <a:rPr lang="en-US" sz="4000" dirty="0"/>
-              <a:t>class about?</a:t>
+              <a:t>class  about?</a:t>
             </a:r>
           </a:p>
         </p:txBody>
@@ -11157,7 +11176,7 @@
           <a:p>
             <a:r>
               <a:rPr lang="en-US" dirty="0"/>
-              <a:t>What we will Use</a:t>
+              <a:t>What  we  will  Use</a:t>
             </a:r>
           </a:p>
         </p:txBody>
